--- a/day1/slides/03_SLURM.pptx
+++ b/day1/slides/03_SLURM.pptx
@@ -6129,7 +6129,7 @@
                 <a:cs typeface="Calibri"/>
                 <a:sym typeface="Calibri"/>
               </a:rPr>
-              <a:t>Leskosec</a:t>
+              <a:t>Leskosek</a:t>
             </a:r>
             <a:r>
               <a:rPr lang="en-US" sz="2400" b="0" i="1" u="none" strike="noStrike" cap="none" dirty="0" smtClean="0">
